--- a/prezentare/React + MobX.pptx
+++ b/prezentare/React + MobX.pptx
@@ -941,9 +941,10 @@
             </a:lnSpc>
           </a:pPr>
           <a:r>
-            <a:rPr lang="ro-RO" noProof="0" dirty="0"/>
-            <a:t>Completați acum</a:t>
+            <a:rPr lang="en-US" noProof="0" dirty="0"/>
+            <a:t>Send it now</a:t>
           </a:r>
+          <a:endParaRPr lang="ro-RO" noProof="0" dirty="0"/>
         </a:p>
       </dgm:t>
     </dgm:pt>
@@ -982,9 +983,10 @@
             </a:lnSpc>
           </a:pPr>
           <a:r>
-            <a:rPr lang="ro-RO" noProof="0" dirty="0"/>
-            <a:t>Durează 2-3 minute</a:t>
+            <a:rPr lang="en-US" noProof="0" dirty="0"/>
+            <a:t>It takes 2-3 minutes</a:t>
           </a:r>
+          <a:endParaRPr lang="ro-RO" noProof="0" dirty="0"/>
         </a:p>
       </dgm:t>
     </dgm:pt>
@@ -1023,9 +1025,14 @@
             </a:lnSpc>
           </a:pPr>
           <a:r>
-            <a:rPr lang="ro-RO" noProof="0" dirty="0"/>
-            <a:t>Feedback anonim - pentru formator și AgileHub</a:t>
+            <a:rPr lang="en-US" dirty="0"/>
+            <a:t>Anonymous feedback - for trainer and </a:t>
           </a:r>
+          <a:r>
+            <a:rPr lang="en-US" dirty="0" err="1"/>
+            <a:t>AgileHub</a:t>
+          </a:r>
+          <a:endParaRPr lang="ro-RO" noProof="0" dirty="0"/>
         </a:p>
       </dgm:t>
     </dgm:pt>
@@ -1065,7 +1072,7 @@
       <dgm:spPr/>
     </dgm:pt>
     <dgm:pt modelId="{CC98773F-561C-4C69-A6A2-CA8746F2CF05}" type="pres">
-      <dgm:prSet presAssocID="{51859409-34D7-4AA3-B5B7-950AF407C472}" presName="bgRect" presStyleLbl="bgShp" presStyleIdx="0" presStyleCnt="3"/>
+      <dgm:prSet presAssocID="{51859409-34D7-4AA3-B5B7-950AF407C472}" presName="bgRect" presStyleLbl="bgShp" presStyleIdx="0" presStyleCnt="3" custLinFactNeighborX="-540"/>
       <dgm:spPr/>
     </dgm:pt>
     <dgm:pt modelId="{58FD3702-4E94-4975-8A90-B23A43C5722C}" type="pres">
@@ -1386,7 +1393,7 @@
         </a:bodyPr>
         <a:lstStyle/>
         <a:p>
-          <a:pPr marL="0" lvl="0" indent="0" algn="l" defTabSz="977900">
+          <a:pPr marL="0" lvl="0" indent="0" algn="l" defTabSz="1066800">
             <a:lnSpc>
               <a:spcPct val="100000"/>
             </a:lnSpc>
@@ -1399,9 +1406,10 @@
             <a:buNone/>
           </a:pPr>
           <a:r>
-            <a:rPr lang="ro-RO" sz="2200" kern="1200" noProof="0" dirty="0"/>
-            <a:t>Completați acum</a:t>
+            <a:rPr lang="en-US" sz="2400" kern="1200" noProof="0" dirty="0"/>
+            <a:t>Send it now</a:t>
           </a:r>
+          <a:endParaRPr lang="ro-RO" sz="2400" kern="1200" noProof="0" dirty="0"/>
         </a:p>
       </dsp:txBody>
       <dsp:txXfrm>
@@ -1538,7 +1546,7 @@
         </a:bodyPr>
         <a:lstStyle/>
         <a:p>
-          <a:pPr marL="0" lvl="0" indent="0" algn="l" defTabSz="977900">
+          <a:pPr marL="0" lvl="0" indent="0" algn="l" defTabSz="1066800">
             <a:lnSpc>
               <a:spcPct val="100000"/>
             </a:lnSpc>
@@ -1551,9 +1559,10 @@
             <a:buNone/>
           </a:pPr>
           <a:r>
-            <a:rPr lang="ro-RO" sz="2200" kern="1200" noProof="0" dirty="0"/>
-            <a:t>Durează 2-3 minute</a:t>
+            <a:rPr lang="en-US" sz="2400" kern="1200" noProof="0" dirty="0"/>
+            <a:t>It takes 2-3 minutes</a:t>
           </a:r>
+          <a:endParaRPr lang="ro-RO" sz="2400" kern="1200" noProof="0" dirty="0"/>
         </a:p>
       </dsp:txBody>
       <dsp:txXfrm>
@@ -1691,7 +1700,7 @@
         </a:bodyPr>
         <a:lstStyle/>
         <a:p>
-          <a:pPr marL="0" lvl="0" indent="0" algn="l" defTabSz="977900">
+          <a:pPr marL="0" lvl="0" indent="0" algn="l" defTabSz="1066800">
             <a:lnSpc>
               <a:spcPct val="100000"/>
             </a:lnSpc>
@@ -1704,9 +1713,14 @@
             <a:buNone/>
           </a:pPr>
           <a:r>
-            <a:rPr lang="ro-RO" sz="2200" kern="1200" noProof="0" dirty="0"/>
-            <a:t>Feedback anonim - pentru formator și AgileHub</a:t>
+            <a:rPr lang="en-US" sz="2400" kern="1200" dirty="0"/>
+            <a:t>Anonymous feedback - for trainer and </a:t>
           </a:r>
+          <a:r>
+            <a:rPr lang="en-US" sz="2400" kern="1200" dirty="0" err="1"/>
+            <a:t>AgileHub</a:t>
+          </a:r>
+          <a:endParaRPr lang="ro-RO" sz="2400" kern="1200" noProof="0" dirty="0"/>
         </a:p>
       </dsp:txBody>
       <dsp:txXfrm>
@@ -8949,7 +8963,7 @@
           <p:nvPr>
             <p:extLst>
               <p:ext uri="{D42A27DB-BD31-4B8C-83A1-F6EECF244321}">
-                <p14:modId xmlns:p14="http://schemas.microsoft.com/office/powerpoint/2010/main" val="607625776"/>
+                <p14:modId xmlns:p14="http://schemas.microsoft.com/office/powerpoint/2010/main" val="3245671229"/>
               </p:ext>
             </p:extLst>
           </p:nvPr>
@@ -9089,6 +9103,45 @@
           </p:spPr>
         </p:pic>
       </p:grpSp>
+      <p:sp>
+        <p:nvSpPr>
+          <p:cNvPr id="6" name="TextBox 5">
+            <a:extLst>
+              <a:ext uri="{FF2B5EF4-FFF2-40B4-BE49-F238E27FC236}">
+                <a16:creationId xmlns:a16="http://schemas.microsoft.com/office/drawing/2014/main" id="{CD5EBA13-F73E-443C-9375-0C7928457263}"/>
+              </a:ext>
+            </a:extLst>
+          </p:cNvPr>
+          <p:cNvSpPr txBox="1"/>
+          <p:nvPr/>
+        </p:nvSpPr>
+        <p:spPr>
+          <a:xfrm>
+            <a:off x="1792389" y="1459769"/>
+            <a:ext cx="2130840" cy="646331"/>
+          </a:xfrm>
+          <a:prstGeom prst="rect">
+            <a:avLst/>
+          </a:prstGeom>
+          <a:noFill/>
+        </p:spPr>
+        <p:txBody>
+          <a:bodyPr wrap="none" rtlCol="0">
+            <a:spAutoFit/>
+          </a:bodyPr>
+          <a:lstStyle/>
+          <a:p>
+            <a:r>
+              <a:rPr lang="en-US" sz="3600" dirty="0">
+                <a:solidFill>
+                  <a:schemeClr val="bg1"/>
+                </a:solidFill>
+              </a:rPr>
+              <a:t>FEEDBACK</a:t>
+            </a:r>
+          </a:p>
+        </p:txBody>
+      </p:sp>
     </p:spTree>
     <p:extLst>
       <p:ext uri="{BB962C8B-B14F-4D97-AF65-F5344CB8AC3E}">
